--- a/ppt_icons.pptx
+++ b/ppt_icons.pptx
@@ -7,6 +7,7 @@
   <p:sldIdLst>
     <p:sldId id="257" r:id="rId2"/>
     <p:sldId id="258" r:id="rId3"/>
+    <p:sldId id="259" r:id="rId4"/>
   </p:sldIdLst>
   <p:sldSz cx="12192000" cy="6858000"/>
   <p:notesSz cx="6858000" cy="9144000"/>
@@ -105,6 +106,11 @@
       </a:defRPr>
     </a:lvl9pPr>
   </p:defaultTextStyle>
+  <p:extLst>
+    <p:ext uri="{EFAFB233-063F-42B5-8137-9DF3F51BA10A}">
+      <p15:sldGuideLst xmlns:p15="http://schemas.microsoft.com/office/powerpoint/2012/main"/>
+    </p:ext>
+  </p:extLst>
 </p:presentation>
 </file>
 
@@ -5827,6 +5833,65 @@
           </a:sp3d>
         </p:spPr>
       </p:pic>
+      <p:pic>
+        <p:nvPicPr>
+          <p:cNvPr id="2" name="Imagem 1" descr="Texto&#10;&#10;Descrição gerada automaticamente">
+            <a:extLst>
+              <a:ext uri="{FF2B5EF4-FFF2-40B4-BE49-F238E27FC236}">
+                <a16:creationId xmlns:a16="http://schemas.microsoft.com/office/drawing/2014/main" id="{41CE29A3-47CA-DBF5-9A14-91FA924E1F35}"/>
+              </a:ext>
+            </a:extLst>
+          </p:cNvPr>
+          <p:cNvPicPr preferRelativeResize="0">
+            <a:picLocks/>
+          </p:cNvPicPr>
+          <p:nvPr/>
+        </p:nvPicPr>
+        <p:blipFill>
+          <a:blip r:embed="rId24">
+            <a:extLst>
+              <a:ext uri="{28A0092B-C50C-407E-A947-70E740481C1C}">
+                <a14:useLocalDpi xmlns:a14="http://schemas.microsoft.com/office/drawing/2010/main" val="0"/>
+              </a:ext>
+            </a:extLst>
+          </a:blip>
+          <a:srcRect l="14592" t="2343" r="12755" b="19414"/>
+          <a:stretch/>
+        </p:blipFill>
+        <p:spPr>
+          <a:xfrm>
+            <a:off x="181421" y="5242699"/>
+            <a:ext cx="1440000" cy="1440000"/>
+          </a:xfrm>
+          <a:prstGeom prst="roundRect">
+            <a:avLst>
+              <a:gd name="adj" fmla="val 16667"/>
+            </a:avLst>
+          </a:prstGeom>
+          <a:ln>
+            <a:noFill/>
+          </a:ln>
+          <a:effectLst>
+            <a:outerShdw blurRad="76200" dist="38100" dir="7800000" algn="tl" rotWithShape="0">
+              <a:srgbClr val="000000">
+                <a:alpha val="40000"/>
+              </a:srgbClr>
+            </a:outerShdw>
+          </a:effectLst>
+          <a:scene3d>
+            <a:camera prst="orthographicFront"/>
+            <a:lightRig rig="contrasting" dir="t">
+              <a:rot lat="0" lon="0" rev="4200000"/>
+            </a:lightRig>
+          </a:scene3d>
+          <a:sp3d prstMaterial="plastic">
+            <a:bevelT w="381000" h="114300" prst="relaxedInset"/>
+            <a:contourClr>
+              <a:srgbClr val="969696"/>
+            </a:contourClr>
+          </a:sp3d>
+        </p:spPr>
+      </p:pic>
     </p:spTree>
     <p:extLst>
       <p:ext uri="{BB962C8B-B14F-4D97-AF65-F5344CB8AC3E}">
@@ -5836,6 +5901,36 @@
   </p:cSld>
   <p:clrMapOvr>
     <a:overrideClrMapping bg1="lt1" tx1="dk1" bg2="lt2" tx2="dk2" accent1="accent1" accent2="accent2" accent3="accent3" accent4="accent4" accent5="accent5" accent6="accent6" hlink="hlink" folHlink="folHlink"/>
+  </p:clrMapOvr>
+</p:sld>
+</file>
+
+<file path=ppt/slides/slide3.xml><?xml version="1.0" encoding="utf-8"?>
+<p:sld xmlns:a="http://schemas.openxmlformats.org/drawingml/2006/main" xmlns:r="http://schemas.openxmlformats.org/officeDocument/2006/relationships" xmlns:p="http://schemas.openxmlformats.org/presentationml/2006/main">
+  <p:cSld>
+    <p:spTree>
+      <p:nvGrpSpPr>
+        <p:cNvPr id="1" name=""/>
+        <p:cNvGrpSpPr/>
+        <p:nvPr/>
+      </p:nvGrpSpPr>
+      <p:grpSpPr>
+        <a:xfrm>
+          <a:off x="0" y="0"/>
+          <a:ext cx="0" cy="0"/>
+          <a:chOff x="0" y="0"/>
+          <a:chExt cx="0" cy="0"/>
+        </a:xfrm>
+      </p:grpSpPr>
+    </p:spTree>
+    <p:extLst>
+      <p:ext uri="{BB962C8B-B14F-4D97-AF65-F5344CB8AC3E}">
+        <p14:creationId xmlns:p14="http://schemas.microsoft.com/office/powerpoint/2010/main" val="3160947447"/>
+      </p:ext>
+    </p:extLst>
+  </p:cSld>
+  <p:clrMapOvr>
+    <a:masterClrMapping/>
   </p:clrMapOvr>
 </p:sld>
 </file>
